--- a/Presentation_projet_Essentials.pptx
+++ b/Presentation_projet_Essentials.pptx
@@ -209,7 +209,7 @@
           <a:p>
             <a:fld id="{118F40D2-B3FE-43B5-A62E-CD3FBC86AAF1}" type="datetimeFigureOut">
               <a:rPr lang="fr-FR" smtClean="0"/>
-              <a:t>28/07/2023</a:t>
+              <a:t>29/08/2023</a:t>
             </a:fld>
             <a:endParaRPr lang="fr-FR"/>
           </a:p>
@@ -1798,7 +1798,7 @@
           <a:p>
             <a:fld id="{91540958-036C-4429-A0B2-147D85433C0E}" type="datetime1">
               <a:rPr lang="fr-FR" smtClean="0"/>
-              <a:t>28/07/2023</a:t>
+              <a:t>29/08/2023</a:t>
             </a:fld>
             <a:endParaRPr lang="fr-FR"/>
           </a:p>
@@ -2234,7 +2234,7 @@
           <a:p>
             <a:fld id="{9D2F6B0C-4DA6-4B91-9846-1C4C95E92F60}" type="datetime1">
               <a:rPr lang="fr-FR" smtClean="0"/>
-              <a:t>28/07/2023</a:t>
+              <a:t>29/08/2023</a:t>
             </a:fld>
             <a:endParaRPr lang="fr-FR"/>
           </a:p>
@@ -2484,7 +2484,7 @@
           <a:p>
             <a:fld id="{C43D0F6A-B1AA-4AAD-8C8E-F2181EE5A9F4}" type="datetime1">
               <a:rPr lang="fr-FR" smtClean="0"/>
-              <a:t>28/07/2023</a:t>
+              <a:t>29/08/2023</a:t>
             </a:fld>
             <a:endParaRPr lang="fr-FR"/>
           </a:p>
@@ -2792,7 +2792,7 @@
           <a:p>
             <a:fld id="{29CA9635-7F38-4592-947C-CAC36D6A1E2D}" type="datetime1">
               <a:rPr lang="fr-FR" smtClean="0"/>
-              <a:t>28/07/2023</a:t>
+              <a:t>29/08/2023</a:t>
             </a:fld>
             <a:endParaRPr lang="fr-FR"/>
           </a:p>
@@ -3110,7 +3110,7 @@
           <a:p>
             <a:fld id="{3214C035-74E9-4A6B-8B6C-DCDF92F5D767}" type="datetime1">
               <a:rPr lang="fr-FR" smtClean="0"/>
-              <a:t>28/07/2023</a:t>
+              <a:t>29/08/2023</a:t>
             </a:fld>
             <a:endParaRPr lang="fr-FR"/>
           </a:p>
@@ -3412,7 +3412,7 @@
           <a:p>
             <a:fld id="{BD46871D-53E0-4942-AD8C-74426D65C1A1}" type="datetime1">
               <a:rPr lang="fr-FR" smtClean="0"/>
-              <a:t>28/07/2023</a:t>
+              <a:t>29/08/2023</a:t>
             </a:fld>
             <a:endParaRPr lang="fr-FR"/>
           </a:p>
@@ -3779,7 +3779,7 @@
           <a:p>
             <a:fld id="{04F14CBC-75AE-4C52-886B-76B263C6D74B}" type="datetime1">
               <a:rPr lang="fr-FR" smtClean="0"/>
-              <a:t>28/07/2023</a:t>
+              <a:t>29/08/2023</a:t>
             </a:fld>
             <a:endParaRPr lang="fr-FR"/>
           </a:p>
@@ -3953,7 +3953,7 @@
           <a:p>
             <a:fld id="{11CE4AB0-F669-4CF3-B13F-5F920F3B89C5}" type="datetime1">
               <a:rPr lang="fr-FR" smtClean="0"/>
-              <a:t>28/07/2023</a:t>
+              <a:t>29/08/2023</a:t>
             </a:fld>
             <a:endParaRPr lang="fr-FR"/>
           </a:p>
@@ -4133,7 +4133,7 @@
           <a:p>
             <a:fld id="{962E03BF-CF38-472A-83D9-A2B2AF7CE11F}" type="datetime1">
               <a:rPr lang="fr-FR" smtClean="0"/>
-              <a:t>28/07/2023</a:t>
+              <a:t>29/08/2023</a:t>
             </a:fld>
             <a:endParaRPr lang="fr-FR"/>
           </a:p>
@@ -4303,7 +4303,7 @@
           <a:p>
             <a:fld id="{598CAFF5-52DF-4D5A-AE82-22B626702192}" type="datetime1">
               <a:rPr lang="fr-FR" smtClean="0"/>
-              <a:t>28/07/2023</a:t>
+              <a:t>29/08/2023</a:t>
             </a:fld>
             <a:endParaRPr lang="fr-FR"/>
           </a:p>
@@ -4553,7 +4553,7 @@
           <a:p>
             <a:fld id="{BB7EE573-EFCD-477E-896A-A18F00921E62}" type="datetime1">
               <a:rPr lang="fr-FR" smtClean="0"/>
-              <a:t>28/07/2023</a:t>
+              <a:t>29/08/2023</a:t>
             </a:fld>
             <a:endParaRPr lang="fr-FR"/>
           </a:p>
@@ -4789,7 +4789,7 @@
           <a:p>
             <a:fld id="{063BA40E-BBC8-41B2-A141-54BF16B20130}" type="datetime1">
               <a:rPr lang="fr-FR" smtClean="0"/>
-              <a:t>28/07/2023</a:t>
+              <a:t>29/08/2023</a:t>
             </a:fld>
             <a:endParaRPr lang="fr-FR"/>
           </a:p>
@@ -5171,7 +5171,7 @@
           <a:p>
             <a:fld id="{520F235C-6F44-43C0-97E5-781852F06B98}" type="datetime1">
               <a:rPr lang="fr-FR" smtClean="0"/>
-              <a:t>28/07/2023</a:t>
+              <a:t>29/08/2023</a:t>
             </a:fld>
             <a:endParaRPr lang="fr-FR"/>
           </a:p>
@@ -5289,7 +5289,7 @@
           <a:p>
             <a:fld id="{B985DEE5-72E2-4EA9-8DE9-564A2F4E79FC}" type="datetime1">
               <a:rPr lang="fr-FR" smtClean="0"/>
-              <a:t>28/07/2023</a:t>
+              <a:t>29/08/2023</a:t>
             </a:fld>
             <a:endParaRPr lang="fr-FR"/>
           </a:p>
@@ -5384,7 +5384,7 @@
           <a:p>
             <a:fld id="{FF8D4A69-C034-45C5-A241-DEFDAE9C0D80}" type="datetime1">
               <a:rPr lang="fr-FR" smtClean="0"/>
-              <a:t>28/07/2023</a:t>
+              <a:t>29/08/2023</a:t>
             </a:fld>
             <a:endParaRPr lang="fr-FR"/>
           </a:p>
@@ -5639,7 +5639,7 @@
           <a:p>
             <a:fld id="{C6344C07-8D5F-41BE-A022-69D79EF6ED08}" type="datetime1">
               <a:rPr lang="fr-FR" smtClean="0"/>
-              <a:t>28/07/2023</a:t>
+              <a:t>29/08/2023</a:t>
             </a:fld>
             <a:endParaRPr lang="fr-FR"/>
           </a:p>
@@ -5922,7 +5922,7 @@
           <a:p>
             <a:fld id="{DADC2664-273F-4D45-AF51-254DE7B7D163}" type="datetime1">
               <a:rPr lang="fr-FR" smtClean="0"/>
-              <a:t>28/07/2023</a:t>
+              <a:t>29/08/2023</a:t>
             </a:fld>
             <a:endParaRPr lang="fr-FR"/>
           </a:p>
@@ -6328,7 +6328,7 @@
           <a:p>
             <a:fld id="{AF1ECF14-75BC-491B-9A1B-ADDE627C1234}" type="datetime1">
               <a:rPr lang="fr-FR" smtClean="0"/>
-              <a:t>28/07/2023</a:t>
+              <a:t>29/08/2023</a:t>
             </a:fld>
             <a:endParaRPr lang="fr-FR"/>
           </a:p>
@@ -8918,40 +8918,11 @@
                   </a:schemeClr>
                 </a:solidFill>
               </a:rPr>
-              <a:t> dont les paramètres ont été modifiés.</a:t>
-            </a:r>
-          </a:p>
-        </p:txBody>
-      </p:sp>
-      <p:pic>
-        <p:nvPicPr>
-          <p:cNvPr id="8" name="Image 7">
-            <a:extLst>
-              <a:ext uri="{FF2B5EF4-FFF2-40B4-BE49-F238E27FC236}">
-                <a16:creationId xmlns:a16="http://schemas.microsoft.com/office/drawing/2014/main" id="{D96E6746-D954-24D6-EBE9-96B9A0DB289D}"/>
-              </a:ext>
-            </a:extLst>
-          </p:cNvPr>
-          <p:cNvPicPr>
-            <a:picLocks noChangeAspect="1"/>
-          </p:cNvPicPr>
-          <p:nvPr/>
-        </p:nvPicPr>
-        <p:blipFill rotWithShape="1">
-          <a:blip r:embed="rId4"/>
-          <a:srcRect t="39433" b="38024"/>
-          <a:stretch/>
-        </p:blipFill>
-        <p:spPr>
-          <a:xfrm>
-            <a:off x="1246827" y="5470102"/>
-            <a:ext cx="6829425" cy="216862"/>
-          </a:xfrm>
-          <a:prstGeom prst="rect">
-            <a:avLst/>
-          </a:prstGeom>
-        </p:spPr>
-      </p:pic>
+              <a:t> (paramètres par défaut).</a:t>
+            </a:r>
+          </a:p>
+        </p:txBody>
+      </p:sp>
     </p:spTree>
     <p:extLst>
       <p:ext uri="{BB962C8B-B14F-4D97-AF65-F5344CB8AC3E}">
@@ -12649,7 +12620,7 @@
                   </a:schemeClr>
                 </a:solidFill>
               </a:rPr>
-              <a:t>Séparation de la colonne cible « smoking » (0 – 1) et des variables</a:t>
+              <a:t>Séparation de la colonne cible « smoking » (0 – 1) et des variables explicatives</a:t>
             </a:r>
           </a:p>
           <a:p>
